--- a/Project Presentation.pptx
+++ b/Project Presentation.pptx
@@ -4,6 +4,9 @@
   <p:sldMasterIdLst>
     <p:sldMasterId id="2147483648" r:id="rId1"/>
   </p:sldMasterIdLst>
+  <p:notesMasterIdLst>
+    <p:notesMasterId r:id="rId7"/>
+  </p:notesMasterIdLst>
   <p:sldIdLst>
     <p:sldId id="256" r:id="rId2"/>
     <p:sldId id="257" r:id="rId3"/>
@@ -108,6 +111,11 @@
       </a:defRPr>
     </a:lvl9pPr>
   </p:defaultTextStyle>
+  <p:extLst>
+    <p:ext uri="{EFAFB233-063F-42B5-8137-9DF3F51BA10A}">
+      <p15:sldGuideLst xmlns:p15="http://schemas.microsoft.com/office/powerpoint/2012/main"/>
+    </p:ext>
+  </p:extLst>
 </p:presentation>
 </file>
 
@@ -3010,7 +3018,7 @@
   <dgm:whole/>
   <dgm:extLst>
     <a:ext uri="http://schemas.microsoft.com/office/drawing/2008/diagram">
-      <dsp:dataModelExt xmlns:dsp="http://schemas.microsoft.com/office/drawing/2008/diagram" relId="rId6" minVer="http://schemas.openxmlformats.org/drawingml/2006/diagram"/>
+      <dsp:dataModelExt xmlns:dsp="http://schemas.microsoft.com/office/drawing/2008/diagram" relId="rId7" minVer="http://schemas.openxmlformats.org/drawingml/2006/diagram"/>
     </a:ext>
   </dgm:extLst>
 </dgm:dataModel>
@@ -3094,7 +3102,7 @@
           </a:r>
           <a:r>
             <a:rPr lang="en-US" b="0" i="0" dirty="0"/>
-            <a:t> Implemented a more robust connection handling and reconnection strategy.</a:t>
+            <a:t> could implement a more robust connection handling and reconnection strategy.</a:t>
           </a:r>
           <a:endParaRPr lang="en-US" dirty="0"/>
         </a:p>
@@ -3140,7 +3148,7 @@
           </a:r>
           <a:r>
             <a:rPr lang="en-US" b="0" i="0" dirty="0"/>
-            <a:t> incorrect Threshold number </a:t>
+            <a:t> incorrect Threshold value </a:t>
           </a:r>
           <a:endParaRPr lang="en-US" dirty="0"/>
         </a:p>
@@ -3278,7 +3286,15 @@
           </a:r>
           <a:r>
             <a:rPr lang="en-US" b="0" i="0" dirty="0"/>
-            <a:t> Instead of Threads multiple window Usage may be better</a:t>
+            <a:t> Instead of Threads multiple </a:t>
+          </a:r>
+          <a:r>
+            <a:rPr lang="en-GB" dirty="0"/>
+            <a:t>Terminals</a:t>
+          </a:r>
+          <a:r>
+            <a:rPr lang="en-US" b="0" i="0" dirty="0"/>
+            <a:t> Usage may be better</a:t>
           </a:r>
           <a:endParaRPr lang="en-US" dirty="0"/>
         </a:p>
@@ -3519,7 +3535,7 @@
   <dgm:whole/>
   <dgm:extLst>
     <a:ext uri="http://schemas.microsoft.com/office/drawing/2008/diagram">
-      <dsp:dataModelExt xmlns:dsp="http://schemas.microsoft.com/office/drawing/2008/diagram" relId="rId7" minVer="http://schemas.openxmlformats.org/drawingml/2006/diagram"/>
+      <dsp:dataModelExt xmlns:dsp="http://schemas.microsoft.com/office/drawing/2008/diagram" relId="rId8" minVer="http://schemas.openxmlformats.org/drawingml/2006/diagram"/>
     </a:ext>
   </dgm:extLst>
 </dgm:dataModel>
@@ -3966,7 +3982,7 @@
   <dgm:whole/>
   <dgm:extLst>
     <a:ext uri="http://schemas.microsoft.com/office/drawing/2008/diagram">
-      <dsp:dataModelExt xmlns:dsp="http://schemas.microsoft.com/office/drawing/2008/diagram" relId="rId7" minVer="http://schemas.openxmlformats.org/drawingml/2006/diagram"/>
+      <dsp:dataModelExt xmlns:dsp="http://schemas.microsoft.com/office/drawing/2008/diagram" relId="rId8" minVer="http://schemas.openxmlformats.org/drawingml/2006/diagram"/>
     </a:ext>
   </dgm:extLst>
 </dgm:dataModel>
@@ -5195,7 +5211,7 @@
           </a:r>
           <a:r>
             <a:rPr lang="en-US" sz="1600" b="0" i="0" kern="1200" dirty="0"/>
-            <a:t> Implemented a more robust connection handling and reconnection strategy.</a:t>
+            <a:t> could implement a more robust connection handling and reconnection strategy.</a:t>
           </a:r>
           <a:endParaRPr lang="en-US" sz="1600" kern="1200" dirty="0"/>
         </a:p>
@@ -5359,7 +5375,7 @@
           </a:r>
           <a:r>
             <a:rPr lang="en-US" sz="2100" b="0" i="0" kern="1200" dirty="0"/>
-            <a:t> incorrect Threshold number </a:t>
+            <a:t> incorrect Threshold value </a:t>
           </a:r>
           <a:endParaRPr lang="en-US" sz="2100" kern="1200" dirty="0"/>
         </a:p>
@@ -5653,7 +5669,15 @@
           </a:r>
           <a:r>
             <a:rPr lang="en-US" sz="1600" b="0" i="0" kern="1200" dirty="0"/>
-            <a:t> Instead of Threads multiple window Usage may be better</a:t>
+            <a:t> Instead of Threads multiple </a:t>
+          </a:r>
+          <a:r>
+            <a:rPr lang="en-GB" sz="1600" kern="1200" dirty="0"/>
+            <a:t>Terminals</a:t>
+          </a:r>
+          <a:r>
+            <a:rPr lang="en-US" sz="1600" b="0" i="0" kern="1200" dirty="0"/>
+            <a:t> Usage may be better</a:t>
           </a:r>
           <a:endParaRPr lang="en-US" sz="1600" kern="1200" dirty="0"/>
         </a:p>
@@ -10237,6 +10261,844 @@
     </dgm:style>
   </dgm:styleLbl>
 </dgm:styleDef>
+</file>
+
+<file path=ppt/notesMasters/notesMaster1.xml><?xml version="1.0" encoding="utf-8"?>
+<p:notesMaster xmlns:a="http://schemas.openxmlformats.org/drawingml/2006/main" xmlns:r="http://schemas.openxmlformats.org/officeDocument/2006/relationships" xmlns:p="http://schemas.openxmlformats.org/presentationml/2006/main">
+  <p:cSld>
+    <p:bg>
+      <p:bgRef idx="1001">
+        <a:schemeClr val="bg1"/>
+      </p:bgRef>
+    </p:bg>
+    <p:spTree>
+      <p:nvGrpSpPr>
+        <p:cNvPr id="1" name=""/>
+        <p:cNvGrpSpPr/>
+        <p:nvPr/>
+      </p:nvGrpSpPr>
+      <p:grpSpPr>
+        <a:xfrm>
+          <a:off x="0" y="0"/>
+          <a:ext cx="0" cy="0"/>
+          <a:chOff x="0" y="0"/>
+          <a:chExt cx="0" cy="0"/>
+        </a:xfrm>
+      </p:grpSpPr>
+      <p:sp>
+        <p:nvSpPr>
+          <p:cNvPr id="2" name="Kopfzeilenplatzhalter 1"/>
+          <p:cNvSpPr>
+            <a:spLocks noGrp="1"/>
+          </p:cNvSpPr>
+          <p:nvPr>
+            <p:ph type="hdr" sz="quarter"/>
+          </p:nvPr>
+        </p:nvSpPr>
+        <p:spPr>
+          <a:xfrm>
+            <a:off x="0" y="0"/>
+            <a:ext cx="2971800" cy="458788"/>
+          </a:xfrm>
+          <a:prstGeom prst="rect">
+            <a:avLst/>
+          </a:prstGeom>
+        </p:spPr>
+        <p:txBody>
+          <a:bodyPr vert="horz" lIns="91440" tIns="45720" rIns="91440" bIns="45720" rtlCol="0"/>
+          <a:lstStyle>
+            <a:lvl1pPr algn="l">
+              <a:defRPr sz="1200"/>
+            </a:lvl1pPr>
+          </a:lstStyle>
+          <a:p>
+            <a:endParaRPr lang="en-GB"/>
+          </a:p>
+        </p:txBody>
+      </p:sp>
+      <p:sp>
+        <p:nvSpPr>
+          <p:cNvPr id="3" name="Datumsplatzhalter 2"/>
+          <p:cNvSpPr>
+            <a:spLocks noGrp="1"/>
+          </p:cNvSpPr>
+          <p:nvPr>
+            <p:ph type="dt" idx="1"/>
+          </p:nvPr>
+        </p:nvSpPr>
+        <p:spPr>
+          <a:xfrm>
+            <a:off x="3884613" y="0"/>
+            <a:ext cx="2971800" cy="458788"/>
+          </a:xfrm>
+          <a:prstGeom prst="rect">
+            <a:avLst/>
+          </a:prstGeom>
+        </p:spPr>
+        <p:txBody>
+          <a:bodyPr vert="horz" lIns="91440" tIns="45720" rIns="91440" bIns="45720" rtlCol="0"/>
+          <a:lstStyle>
+            <a:lvl1pPr algn="r">
+              <a:defRPr sz="1200"/>
+            </a:lvl1pPr>
+          </a:lstStyle>
+          <a:p>
+            <a:fld id="{617080B8-408C-44E4-8956-159EC4FB8105}" type="datetimeFigureOut">
+              <a:rPr lang="en-GB" smtClean="0"/>
+              <a:t>02/05/2024</a:t>
+            </a:fld>
+            <a:endParaRPr lang="en-GB"/>
+          </a:p>
+        </p:txBody>
+      </p:sp>
+      <p:sp>
+        <p:nvSpPr>
+          <p:cNvPr id="4" name="Folienbildplatzhalter 3"/>
+          <p:cNvSpPr>
+            <a:spLocks noGrp="1" noRot="1" noChangeAspect="1"/>
+          </p:cNvSpPr>
+          <p:nvPr>
+            <p:ph type="sldImg" idx="2"/>
+          </p:nvPr>
+        </p:nvSpPr>
+        <p:spPr>
+          <a:xfrm>
+            <a:off x="685800" y="1143000"/>
+            <a:ext cx="5486400" cy="3086100"/>
+          </a:xfrm>
+          <a:prstGeom prst="rect">
+            <a:avLst/>
+          </a:prstGeom>
+          <a:noFill/>
+          <a:ln w="12700">
+            <a:solidFill>
+              <a:prstClr val="black"/>
+            </a:solidFill>
+          </a:ln>
+        </p:spPr>
+        <p:txBody>
+          <a:bodyPr vert="horz" lIns="91440" tIns="45720" rIns="91440" bIns="45720" rtlCol="0" anchor="ctr"/>
+          <a:lstStyle/>
+          <a:p>
+            <a:endParaRPr lang="en-GB"/>
+          </a:p>
+        </p:txBody>
+      </p:sp>
+      <p:sp>
+        <p:nvSpPr>
+          <p:cNvPr id="5" name="Notizenplatzhalter 4"/>
+          <p:cNvSpPr>
+            <a:spLocks noGrp="1"/>
+          </p:cNvSpPr>
+          <p:nvPr>
+            <p:ph type="body" sz="quarter" idx="3"/>
+          </p:nvPr>
+        </p:nvSpPr>
+        <p:spPr>
+          <a:xfrm>
+            <a:off x="685800" y="4400550"/>
+            <a:ext cx="5486400" cy="3600450"/>
+          </a:xfrm>
+          <a:prstGeom prst="rect">
+            <a:avLst/>
+          </a:prstGeom>
+        </p:spPr>
+        <p:txBody>
+          <a:bodyPr vert="horz" lIns="91440" tIns="45720" rIns="91440" bIns="45720" rtlCol="0"/>
+          <a:lstStyle/>
+          <a:p>
+            <a:pPr lvl="0"/>
+            <a:r>
+              <a:rPr lang="de-DE"/>
+              <a:t>Mastertextformat bearbeiten</a:t>
+            </a:r>
+          </a:p>
+          <a:p>
+            <a:pPr lvl="1"/>
+            <a:r>
+              <a:rPr lang="de-DE"/>
+              <a:t>Zweite Ebene</a:t>
+            </a:r>
+          </a:p>
+          <a:p>
+            <a:pPr lvl="2"/>
+            <a:r>
+              <a:rPr lang="de-DE"/>
+              <a:t>Dritte Ebene</a:t>
+            </a:r>
+          </a:p>
+          <a:p>
+            <a:pPr lvl="3"/>
+            <a:r>
+              <a:rPr lang="de-DE"/>
+              <a:t>Vierte Ebene</a:t>
+            </a:r>
+          </a:p>
+          <a:p>
+            <a:pPr lvl="4"/>
+            <a:r>
+              <a:rPr lang="de-DE"/>
+              <a:t>Fünfte Ebene</a:t>
+            </a:r>
+            <a:endParaRPr lang="en-GB"/>
+          </a:p>
+        </p:txBody>
+      </p:sp>
+      <p:sp>
+        <p:nvSpPr>
+          <p:cNvPr id="6" name="Fußzeilenplatzhalter 5"/>
+          <p:cNvSpPr>
+            <a:spLocks noGrp="1"/>
+          </p:cNvSpPr>
+          <p:nvPr>
+            <p:ph type="ftr" sz="quarter" idx="4"/>
+          </p:nvPr>
+        </p:nvSpPr>
+        <p:spPr>
+          <a:xfrm>
+            <a:off x="0" y="8685213"/>
+            <a:ext cx="2971800" cy="458787"/>
+          </a:xfrm>
+          <a:prstGeom prst="rect">
+            <a:avLst/>
+          </a:prstGeom>
+        </p:spPr>
+        <p:txBody>
+          <a:bodyPr vert="horz" lIns="91440" tIns="45720" rIns="91440" bIns="45720" rtlCol="0" anchor="b"/>
+          <a:lstStyle>
+            <a:lvl1pPr algn="l">
+              <a:defRPr sz="1200"/>
+            </a:lvl1pPr>
+          </a:lstStyle>
+          <a:p>
+            <a:endParaRPr lang="en-GB"/>
+          </a:p>
+        </p:txBody>
+      </p:sp>
+      <p:sp>
+        <p:nvSpPr>
+          <p:cNvPr id="7" name="Foliennummernplatzhalter 6"/>
+          <p:cNvSpPr>
+            <a:spLocks noGrp="1"/>
+          </p:cNvSpPr>
+          <p:nvPr>
+            <p:ph type="sldNum" sz="quarter" idx="5"/>
+          </p:nvPr>
+        </p:nvSpPr>
+        <p:spPr>
+          <a:xfrm>
+            <a:off x="3884613" y="8685213"/>
+            <a:ext cx="2971800" cy="458787"/>
+          </a:xfrm>
+          <a:prstGeom prst="rect">
+            <a:avLst/>
+          </a:prstGeom>
+        </p:spPr>
+        <p:txBody>
+          <a:bodyPr vert="horz" lIns="91440" tIns="45720" rIns="91440" bIns="45720" rtlCol="0" anchor="b"/>
+          <a:lstStyle>
+            <a:lvl1pPr algn="r">
+              <a:defRPr sz="1200"/>
+            </a:lvl1pPr>
+          </a:lstStyle>
+          <a:p>
+            <a:fld id="{09457AD1-BD70-4D78-B029-EF3E511D1D53}" type="slidenum">
+              <a:rPr lang="en-GB" smtClean="0"/>
+              <a:t>‹Nr.›</a:t>
+            </a:fld>
+            <a:endParaRPr lang="en-GB"/>
+          </a:p>
+        </p:txBody>
+      </p:sp>
+    </p:spTree>
+    <p:extLst>
+      <p:ext uri="{BB962C8B-B14F-4D97-AF65-F5344CB8AC3E}">
+        <p14:creationId xmlns:p14="http://schemas.microsoft.com/office/powerpoint/2010/main" val="2901369652"/>
+      </p:ext>
+    </p:extLst>
+  </p:cSld>
+  <p:clrMap bg1="lt1" tx1="dk1" bg2="lt2" tx2="dk2" accent1="accent1" accent2="accent2" accent3="accent3" accent4="accent4" accent5="accent5" accent6="accent6" hlink="hlink" folHlink="folHlink"/>
+  <p:notesStyle>
+    <a:lvl1pPr marL="0" algn="l" defTabSz="914400" rtl="0" eaLnBrk="1" latinLnBrk="0" hangingPunct="1">
+      <a:defRPr sz="1200" kern="1200">
+        <a:solidFill>
+          <a:schemeClr val="tx1"/>
+        </a:solidFill>
+        <a:latin typeface="+mn-lt"/>
+        <a:ea typeface="+mn-ea"/>
+        <a:cs typeface="+mn-cs"/>
+      </a:defRPr>
+    </a:lvl1pPr>
+    <a:lvl2pPr marL="457200" algn="l" defTabSz="914400" rtl="0" eaLnBrk="1" latinLnBrk="0" hangingPunct="1">
+      <a:defRPr sz="1200" kern="1200">
+        <a:solidFill>
+          <a:schemeClr val="tx1"/>
+        </a:solidFill>
+        <a:latin typeface="+mn-lt"/>
+        <a:ea typeface="+mn-ea"/>
+        <a:cs typeface="+mn-cs"/>
+      </a:defRPr>
+    </a:lvl2pPr>
+    <a:lvl3pPr marL="914400" algn="l" defTabSz="914400" rtl="0" eaLnBrk="1" latinLnBrk="0" hangingPunct="1">
+      <a:defRPr sz="1200" kern="1200">
+        <a:solidFill>
+          <a:schemeClr val="tx1"/>
+        </a:solidFill>
+        <a:latin typeface="+mn-lt"/>
+        <a:ea typeface="+mn-ea"/>
+        <a:cs typeface="+mn-cs"/>
+      </a:defRPr>
+    </a:lvl3pPr>
+    <a:lvl4pPr marL="1371600" algn="l" defTabSz="914400" rtl="0" eaLnBrk="1" latinLnBrk="0" hangingPunct="1">
+      <a:defRPr sz="1200" kern="1200">
+        <a:solidFill>
+          <a:schemeClr val="tx1"/>
+        </a:solidFill>
+        <a:latin typeface="+mn-lt"/>
+        <a:ea typeface="+mn-ea"/>
+        <a:cs typeface="+mn-cs"/>
+      </a:defRPr>
+    </a:lvl4pPr>
+    <a:lvl5pPr marL="1828800" algn="l" defTabSz="914400" rtl="0" eaLnBrk="1" latinLnBrk="0" hangingPunct="1">
+      <a:defRPr sz="1200" kern="1200">
+        <a:solidFill>
+          <a:schemeClr val="tx1"/>
+        </a:solidFill>
+        <a:latin typeface="+mn-lt"/>
+        <a:ea typeface="+mn-ea"/>
+        <a:cs typeface="+mn-cs"/>
+      </a:defRPr>
+    </a:lvl5pPr>
+    <a:lvl6pPr marL="2286000" algn="l" defTabSz="914400" rtl="0" eaLnBrk="1" latinLnBrk="0" hangingPunct="1">
+      <a:defRPr sz="1200" kern="1200">
+        <a:solidFill>
+          <a:schemeClr val="tx1"/>
+        </a:solidFill>
+        <a:latin typeface="+mn-lt"/>
+        <a:ea typeface="+mn-ea"/>
+        <a:cs typeface="+mn-cs"/>
+      </a:defRPr>
+    </a:lvl6pPr>
+    <a:lvl7pPr marL="2743200" algn="l" defTabSz="914400" rtl="0" eaLnBrk="1" latinLnBrk="0" hangingPunct="1">
+      <a:defRPr sz="1200" kern="1200">
+        <a:solidFill>
+          <a:schemeClr val="tx1"/>
+        </a:solidFill>
+        <a:latin typeface="+mn-lt"/>
+        <a:ea typeface="+mn-ea"/>
+        <a:cs typeface="+mn-cs"/>
+      </a:defRPr>
+    </a:lvl7pPr>
+    <a:lvl8pPr marL="3200400" algn="l" defTabSz="914400" rtl="0" eaLnBrk="1" latinLnBrk="0" hangingPunct="1">
+      <a:defRPr sz="1200" kern="1200">
+        <a:solidFill>
+          <a:schemeClr val="tx1"/>
+        </a:solidFill>
+        <a:latin typeface="+mn-lt"/>
+        <a:ea typeface="+mn-ea"/>
+        <a:cs typeface="+mn-cs"/>
+      </a:defRPr>
+    </a:lvl8pPr>
+    <a:lvl9pPr marL="3657600" algn="l" defTabSz="914400" rtl="0" eaLnBrk="1" latinLnBrk="0" hangingPunct="1">
+      <a:defRPr sz="1200" kern="1200">
+        <a:solidFill>
+          <a:schemeClr val="tx1"/>
+        </a:solidFill>
+        <a:latin typeface="+mn-lt"/>
+        <a:ea typeface="+mn-ea"/>
+        <a:cs typeface="+mn-cs"/>
+      </a:defRPr>
+    </a:lvl9pPr>
+  </p:notesStyle>
+</p:notesMaster>
+</file>
+
+<file path=ppt/notesSlides/notesSlide1.xml><?xml version="1.0" encoding="utf-8"?>
+<p:notes xmlns:a="http://schemas.openxmlformats.org/drawingml/2006/main" xmlns:r="http://schemas.openxmlformats.org/officeDocument/2006/relationships" xmlns:p="http://schemas.openxmlformats.org/presentationml/2006/main">
+  <p:cSld>
+    <p:spTree>
+      <p:nvGrpSpPr>
+        <p:cNvPr id="1" name=""/>
+        <p:cNvGrpSpPr/>
+        <p:nvPr/>
+      </p:nvGrpSpPr>
+      <p:grpSpPr>
+        <a:xfrm>
+          <a:off x="0" y="0"/>
+          <a:ext cx="0" cy="0"/>
+          <a:chOff x="0" y="0"/>
+          <a:chExt cx="0" cy="0"/>
+        </a:xfrm>
+      </p:grpSpPr>
+      <p:sp>
+        <p:nvSpPr>
+          <p:cNvPr id="2" name="Folienbildplatzhalter 1"/>
+          <p:cNvSpPr>
+            <a:spLocks noGrp="1" noRot="1" noChangeAspect="1"/>
+          </p:cNvSpPr>
+          <p:nvPr>
+            <p:ph type="sldImg"/>
+          </p:nvPr>
+        </p:nvSpPr>
+        <p:spPr/>
+      </p:sp>
+      <p:sp>
+        <p:nvSpPr>
+          <p:cNvPr id="3" name="Notizenplatzhalter 2"/>
+          <p:cNvSpPr>
+            <a:spLocks noGrp="1"/>
+          </p:cNvSpPr>
+          <p:nvPr>
+            <p:ph type="body" idx="1"/>
+          </p:nvPr>
+        </p:nvSpPr>
+        <p:spPr/>
+        <p:txBody>
+          <a:bodyPr/>
+          <a:lstStyle/>
+          <a:p>
+            <a:r>
+              <a:rPr lang="en-GB" dirty="0"/>
+              <a:t>Welcome to the Smart Home Monitoring System presentation. This project utilizes a Raspberry Pi and various IoT technologies to enhance home security and provide real-time environmental monitoring. The objective was to create a responsive system that notifies homeowners of important events and changes in their environment, leveraging real-time data processing and IoT communications.</a:t>
+            </a:r>
+          </a:p>
+        </p:txBody>
+      </p:sp>
+      <p:sp>
+        <p:nvSpPr>
+          <p:cNvPr id="4" name="Foliennummernplatzhalter 3"/>
+          <p:cNvSpPr>
+            <a:spLocks noGrp="1"/>
+          </p:cNvSpPr>
+          <p:nvPr>
+            <p:ph type="sldNum" sz="quarter" idx="5"/>
+          </p:nvPr>
+        </p:nvSpPr>
+        <p:spPr/>
+        <p:txBody>
+          <a:bodyPr/>
+          <a:lstStyle/>
+          <a:p>
+            <a:fld id="{09457AD1-BD70-4D78-B029-EF3E511D1D53}" type="slidenum">
+              <a:rPr lang="en-GB" smtClean="0"/>
+              <a:t>1</a:t>
+            </a:fld>
+            <a:endParaRPr lang="en-GB"/>
+          </a:p>
+        </p:txBody>
+      </p:sp>
+    </p:spTree>
+    <p:extLst>
+      <p:ext uri="{BB962C8B-B14F-4D97-AF65-F5344CB8AC3E}">
+        <p14:creationId xmlns:p14="http://schemas.microsoft.com/office/powerpoint/2010/main" val="1330708554"/>
+      </p:ext>
+    </p:extLst>
+  </p:cSld>
+  <p:clrMapOvr>
+    <a:masterClrMapping/>
+  </p:clrMapOvr>
+</p:notes>
+</file>
+
+<file path=ppt/notesSlides/notesSlide2.xml><?xml version="1.0" encoding="utf-8"?>
+<p:notes xmlns:a="http://schemas.openxmlformats.org/drawingml/2006/main" xmlns:r="http://schemas.openxmlformats.org/officeDocument/2006/relationships" xmlns:p="http://schemas.openxmlformats.org/presentationml/2006/main">
+  <p:cSld>
+    <p:spTree>
+      <p:nvGrpSpPr>
+        <p:cNvPr id="1" name=""/>
+        <p:cNvGrpSpPr/>
+        <p:nvPr/>
+      </p:nvGrpSpPr>
+      <p:grpSpPr>
+        <a:xfrm>
+          <a:off x="0" y="0"/>
+          <a:ext cx="0" cy="0"/>
+          <a:chOff x="0" y="0"/>
+          <a:chExt cx="0" cy="0"/>
+        </a:xfrm>
+      </p:grpSpPr>
+      <p:sp>
+        <p:nvSpPr>
+          <p:cNvPr id="2" name="Folienbildplatzhalter 1"/>
+          <p:cNvSpPr>
+            <a:spLocks noGrp="1" noRot="1" noChangeAspect="1"/>
+          </p:cNvSpPr>
+          <p:nvPr>
+            <p:ph type="sldImg"/>
+          </p:nvPr>
+        </p:nvSpPr>
+        <p:spPr/>
+      </p:sp>
+      <p:sp>
+        <p:nvSpPr>
+          <p:cNvPr id="3" name="Notizenplatzhalter 2"/>
+          <p:cNvSpPr>
+            <a:spLocks noGrp="1"/>
+          </p:cNvSpPr>
+          <p:nvPr>
+            <p:ph type="body" idx="1"/>
+          </p:nvPr>
+        </p:nvSpPr>
+        <p:spPr/>
+        <p:txBody>
+          <a:bodyPr/>
+          <a:lstStyle/>
+          <a:p>
+            <a:r>
+              <a:rPr lang="en-GB" dirty="0"/>
+              <a:t>In this project, I've used several key technologies. Firstly, the Raspberry Pi, combined with a Sense HAT, acts as the nerve </a:t>
+            </a:r>
+            <a:r>
+              <a:rPr lang="en-GB" dirty="0" err="1"/>
+              <a:t>center</a:t>
+            </a:r>
+            <a:r>
+              <a:rPr lang="en-GB" dirty="0"/>
+              <a:t>, collecting data and controlling other devices. A camera attached to the Raspberry Pi enables real-time security monitoring through motion detection. I use MQTT for efficient message passing between devices, Firebase for storing captured images securely, and Blynk for user interaction, allowing homeowners to see data updates in real-time on their mobile devices. The entire system is programmed in Python.</a:t>
+            </a:r>
+          </a:p>
+        </p:txBody>
+      </p:sp>
+      <p:sp>
+        <p:nvSpPr>
+          <p:cNvPr id="4" name="Foliennummernplatzhalter 3"/>
+          <p:cNvSpPr>
+            <a:spLocks noGrp="1"/>
+          </p:cNvSpPr>
+          <p:nvPr>
+            <p:ph type="sldNum" sz="quarter" idx="5"/>
+          </p:nvPr>
+        </p:nvSpPr>
+        <p:spPr/>
+        <p:txBody>
+          <a:bodyPr/>
+          <a:lstStyle/>
+          <a:p>
+            <a:fld id="{09457AD1-BD70-4D78-B029-EF3E511D1D53}" type="slidenum">
+              <a:rPr lang="en-GB" smtClean="0"/>
+              <a:t>2</a:t>
+            </a:fld>
+            <a:endParaRPr lang="en-GB"/>
+          </a:p>
+        </p:txBody>
+      </p:sp>
+    </p:spTree>
+    <p:extLst>
+      <p:ext uri="{BB962C8B-B14F-4D97-AF65-F5344CB8AC3E}">
+        <p14:creationId xmlns:p14="http://schemas.microsoft.com/office/powerpoint/2010/main" val="3957707992"/>
+      </p:ext>
+    </p:extLst>
+  </p:cSld>
+  <p:clrMapOvr>
+    <a:masterClrMapping/>
+  </p:clrMapOvr>
+</p:notes>
+</file>
+
+<file path=ppt/notesSlides/notesSlide3.xml><?xml version="1.0" encoding="utf-8"?>
+<p:notes xmlns:a="http://schemas.openxmlformats.org/drawingml/2006/main" xmlns:r="http://schemas.openxmlformats.org/officeDocument/2006/relationships" xmlns:p="http://schemas.openxmlformats.org/presentationml/2006/main">
+  <p:cSld>
+    <p:spTree>
+      <p:nvGrpSpPr>
+        <p:cNvPr id="1" name=""/>
+        <p:cNvGrpSpPr/>
+        <p:nvPr/>
+      </p:nvGrpSpPr>
+      <p:grpSpPr>
+        <a:xfrm>
+          <a:off x="0" y="0"/>
+          <a:ext cx="0" cy="0"/>
+          <a:chOff x="0" y="0"/>
+          <a:chExt cx="0" cy="0"/>
+        </a:xfrm>
+      </p:grpSpPr>
+      <p:sp>
+        <p:nvSpPr>
+          <p:cNvPr id="2" name="Folienbildplatzhalter 1"/>
+          <p:cNvSpPr>
+            <a:spLocks noGrp="1" noRot="1" noChangeAspect="1"/>
+          </p:cNvSpPr>
+          <p:nvPr>
+            <p:ph type="sldImg"/>
+          </p:nvPr>
+        </p:nvSpPr>
+        <p:spPr/>
+      </p:sp>
+      <p:sp>
+        <p:nvSpPr>
+          <p:cNvPr id="3" name="Notizenplatzhalter 2"/>
+          <p:cNvSpPr>
+            <a:spLocks noGrp="1"/>
+          </p:cNvSpPr>
+          <p:nvPr>
+            <p:ph type="body" idx="1"/>
+          </p:nvPr>
+        </p:nvSpPr>
+        <p:spPr/>
+        <p:txBody>
+          <a:bodyPr/>
+          <a:lstStyle/>
+          <a:p>
+            <a:r>
+              <a:rPr lang="en-GB" dirty="0"/>
+              <a:t>Let's look at a demonstration of the system. The process begins when motion is detected by the camera, triggering the system to capture an image and environmental data from the Sense HAT. This data, along with the image, is then sent via email to the homeowner for immediate notification. Concurrently, the data is displayed on the Blynk app, providing real-time updates directly to the user's smartphone. This allows for quick reactions and monitoring directly from anywhere in the world.</a:t>
+            </a:r>
+          </a:p>
+        </p:txBody>
+      </p:sp>
+      <p:sp>
+        <p:nvSpPr>
+          <p:cNvPr id="4" name="Foliennummernplatzhalter 3"/>
+          <p:cNvSpPr>
+            <a:spLocks noGrp="1"/>
+          </p:cNvSpPr>
+          <p:nvPr>
+            <p:ph type="sldNum" sz="quarter" idx="5"/>
+          </p:nvPr>
+        </p:nvSpPr>
+        <p:spPr/>
+        <p:txBody>
+          <a:bodyPr/>
+          <a:lstStyle/>
+          <a:p>
+            <a:fld id="{09457AD1-BD70-4D78-B029-EF3E511D1D53}" type="slidenum">
+              <a:rPr lang="en-GB" smtClean="0"/>
+              <a:t>3</a:t>
+            </a:fld>
+            <a:endParaRPr lang="en-GB"/>
+          </a:p>
+        </p:txBody>
+      </p:sp>
+    </p:spTree>
+    <p:extLst>
+      <p:ext uri="{BB962C8B-B14F-4D97-AF65-F5344CB8AC3E}">
+        <p14:creationId xmlns:p14="http://schemas.microsoft.com/office/powerpoint/2010/main" val="1625132757"/>
+      </p:ext>
+    </p:extLst>
+  </p:cSld>
+  <p:clrMapOvr>
+    <a:masterClrMapping/>
+  </p:clrMapOvr>
+</p:notes>
+</file>
+
+<file path=ppt/notesSlides/notesSlide4.xml><?xml version="1.0" encoding="utf-8"?>
+<p:notes xmlns:a="http://schemas.openxmlformats.org/drawingml/2006/main" xmlns:r="http://schemas.openxmlformats.org/officeDocument/2006/relationships" xmlns:p="http://schemas.openxmlformats.org/presentationml/2006/main">
+  <p:cSld>
+    <p:spTree>
+      <p:nvGrpSpPr>
+        <p:cNvPr id="1" name=""/>
+        <p:cNvGrpSpPr/>
+        <p:nvPr/>
+      </p:nvGrpSpPr>
+      <p:grpSpPr>
+        <a:xfrm>
+          <a:off x="0" y="0"/>
+          <a:ext cx="0" cy="0"/>
+          <a:chOff x="0" y="0"/>
+          <a:chExt cx="0" cy="0"/>
+        </a:xfrm>
+      </p:grpSpPr>
+      <p:sp>
+        <p:nvSpPr>
+          <p:cNvPr id="2" name="Folienbildplatzhalter 1"/>
+          <p:cNvSpPr>
+            <a:spLocks noGrp="1" noRot="1" noChangeAspect="1"/>
+          </p:cNvSpPr>
+          <p:nvPr>
+            <p:ph type="sldImg"/>
+          </p:nvPr>
+        </p:nvSpPr>
+        <p:spPr/>
+      </p:sp>
+      <p:sp>
+        <p:nvSpPr>
+          <p:cNvPr id="3" name="Notizenplatzhalter 2"/>
+          <p:cNvSpPr>
+            <a:spLocks noGrp="1"/>
+          </p:cNvSpPr>
+          <p:nvPr>
+            <p:ph type="body" idx="1"/>
+          </p:nvPr>
+        </p:nvSpPr>
+        <p:spPr/>
+        <p:txBody>
+          <a:bodyPr/>
+          <a:lstStyle/>
+          <a:p>
+            <a:pPr marL="0" marR="0" lvl="0" indent="0" algn="l" defTabSz="914400" rtl="0" eaLnBrk="1" fontAlgn="auto" latinLnBrk="0" hangingPunct="1">
+              <a:lnSpc>
+                <a:spcPct val="100000"/>
+              </a:lnSpc>
+              <a:spcBef>
+                <a:spcPts val="0"/>
+              </a:spcBef>
+              <a:spcAft>
+                <a:spcPts val="0"/>
+              </a:spcAft>
+              <a:buClrTx/>
+              <a:buSzTx/>
+              <a:buFontTx/>
+              <a:buNone/>
+              <a:tabLst/>
+              <a:defRPr/>
+            </a:pPr>
+            <a:r>
+              <a:rPr lang="en-GB" dirty="0"/>
+              <a:t>During the development of this system, I encountered several challenges. One significant issue was maintaining reliable MQTT connectivity, especially in fluctuating network conditions. To address this, I would implement automatic reconnection protocols that help ensure continuous data flow. Another challenge was the </a:t>
+            </a:r>
+            <a:r>
+              <a:rPr lang="en-US" b="0" i="0" dirty="0"/>
+              <a:t>incorrect Threshold value I would need some more testing under ideal Circumstances for a better value.</a:t>
+            </a:r>
+            <a:r>
+              <a:rPr lang="en-GB" b="0" i="0" dirty="0"/>
+              <a:t> </a:t>
+            </a:r>
+            <a:r>
+              <a:rPr lang="en-GB" dirty="0"/>
+              <a:t>Lastly, managing multiple Threads can easy lead to many problems so I could use multiple Terminals instead</a:t>
+            </a:r>
+          </a:p>
+        </p:txBody>
+      </p:sp>
+      <p:sp>
+        <p:nvSpPr>
+          <p:cNvPr id="4" name="Foliennummernplatzhalter 3"/>
+          <p:cNvSpPr>
+            <a:spLocks noGrp="1"/>
+          </p:cNvSpPr>
+          <p:nvPr>
+            <p:ph type="sldNum" sz="quarter" idx="5"/>
+          </p:nvPr>
+        </p:nvSpPr>
+        <p:spPr/>
+        <p:txBody>
+          <a:bodyPr/>
+          <a:lstStyle/>
+          <a:p>
+            <a:fld id="{09457AD1-BD70-4D78-B029-EF3E511D1D53}" type="slidenum">
+              <a:rPr lang="en-GB" smtClean="0"/>
+              <a:t>4</a:t>
+            </a:fld>
+            <a:endParaRPr lang="en-GB"/>
+          </a:p>
+        </p:txBody>
+      </p:sp>
+    </p:spTree>
+    <p:extLst>
+      <p:ext uri="{BB962C8B-B14F-4D97-AF65-F5344CB8AC3E}">
+        <p14:creationId xmlns:p14="http://schemas.microsoft.com/office/powerpoint/2010/main" val="1280942985"/>
+      </p:ext>
+    </p:extLst>
+  </p:cSld>
+  <p:clrMapOvr>
+    <a:masterClrMapping/>
+  </p:clrMapOvr>
+</p:notes>
+</file>
+
+<file path=ppt/notesSlides/notesSlide5.xml><?xml version="1.0" encoding="utf-8"?>
+<p:notes xmlns:a="http://schemas.openxmlformats.org/drawingml/2006/main" xmlns:r="http://schemas.openxmlformats.org/officeDocument/2006/relationships" xmlns:p="http://schemas.openxmlformats.org/presentationml/2006/main">
+  <p:cSld>
+    <p:spTree>
+      <p:nvGrpSpPr>
+        <p:cNvPr id="1" name=""/>
+        <p:cNvGrpSpPr/>
+        <p:nvPr/>
+      </p:nvGrpSpPr>
+      <p:grpSpPr>
+        <a:xfrm>
+          <a:off x="0" y="0"/>
+          <a:ext cx="0" cy="0"/>
+          <a:chOff x="0" y="0"/>
+          <a:chExt cx="0" cy="0"/>
+        </a:xfrm>
+      </p:grpSpPr>
+      <p:sp>
+        <p:nvSpPr>
+          <p:cNvPr id="2" name="Folienbildplatzhalter 1"/>
+          <p:cNvSpPr>
+            <a:spLocks noGrp="1" noRot="1" noChangeAspect="1"/>
+          </p:cNvSpPr>
+          <p:nvPr>
+            <p:ph type="sldImg"/>
+          </p:nvPr>
+        </p:nvSpPr>
+        <p:spPr/>
+      </p:sp>
+      <p:sp>
+        <p:nvSpPr>
+          <p:cNvPr id="3" name="Notizenplatzhalter 2"/>
+          <p:cNvSpPr>
+            <a:spLocks noGrp="1"/>
+          </p:cNvSpPr>
+          <p:nvPr>
+            <p:ph type="body" idx="1"/>
+          </p:nvPr>
+        </p:nvSpPr>
+        <p:spPr/>
+        <p:txBody>
+          <a:bodyPr/>
+          <a:lstStyle/>
+          <a:p>
+            <a:r>
+              <a:rPr lang="en-GB" dirty="0"/>
+              <a:t>Looking ahead, I have several enhancements planned for the system. First, I could integrate additional sensors to monitor air quality and noise levels, creating a more comprehensive environment assessment tool. I could also look into applying machine learning algorithms to predict potential security threats and environmental hazards based on accumulated data for example with a co2 monitoring. A good upgrade would be to enhance the user interface with a more advanced web dashboard that allows for extensive customization and increased functionality, </a:t>
+            </a:r>
+            <a:r>
+              <a:rPr lang="en-GB" dirty="0" err="1"/>
+              <a:t>maby</a:t>
+            </a:r>
+            <a:r>
+              <a:rPr lang="en-GB" dirty="0"/>
+              <a:t> a self-made and not </a:t>
+            </a:r>
+            <a:r>
+              <a:rPr lang="en-GB" dirty="0" err="1"/>
+              <a:t>blynk</a:t>
+            </a:r>
+            <a:r>
+              <a:rPr lang="en-GB" dirty="0"/>
+              <a:t> . Lastly, I would like to expand the system's video capabilities. This includes adding features such as live streaming, so a user can livestream the camera from his phone.</a:t>
+            </a:r>
+          </a:p>
+        </p:txBody>
+      </p:sp>
+      <p:sp>
+        <p:nvSpPr>
+          <p:cNvPr id="4" name="Foliennummernplatzhalter 3"/>
+          <p:cNvSpPr>
+            <a:spLocks noGrp="1"/>
+          </p:cNvSpPr>
+          <p:nvPr>
+            <p:ph type="sldNum" sz="quarter" idx="5"/>
+          </p:nvPr>
+        </p:nvSpPr>
+        <p:spPr/>
+        <p:txBody>
+          <a:bodyPr/>
+          <a:lstStyle/>
+          <a:p>
+            <a:fld id="{09457AD1-BD70-4D78-B029-EF3E511D1D53}" type="slidenum">
+              <a:rPr lang="en-GB" smtClean="0"/>
+              <a:t>5</a:t>
+            </a:fld>
+            <a:endParaRPr lang="en-GB"/>
+          </a:p>
+        </p:txBody>
+      </p:sp>
+    </p:spTree>
+    <p:extLst>
+      <p:ext uri="{BB962C8B-B14F-4D97-AF65-F5344CB8AC3E}">
+        <p14:creationId xmlns:p14="http://schemas.microsoft.com/office/powerpoint/2010/main" val="3573997481"/>
+      </p:ext>
+    </p:extLst>
+  </p:cSld>
+  <p:clrMapOvr>
+    <a:masterClrMapping/>
+  </p:clrMapOvr>
+</p:notes>
 </file>
 
 <file path=ppt/slideLayouts/slideLayout1.xml><?xml version="1.0" encoding="utf-8"?>
@@ -13700,13 +14562,13 @@
           <p:nvPr/>
         </p:nvPicPr>
         <p:blipFill>
-          <a:blip r:embed="rId2">
+          <a:blip r:embed="rId3">
             <a:extLst>
               <a:ext uri="{28A0092B-C50C-407E-A947-70E740481C1C}">
                 <a14:useLocalDpi xmlns:a14="http://schemas.microsoft.com/office/drawing/2010/main" val="0"/>
               </a:ext>
               <a:ext uri="{96DAC541-7B7A-43D3-8B79-37D633B846F1}">
-                <asvg:svgBlip xmlns:asvg="http://schemas.microsoft.com/office/drawing/2016/SVG/main" r:embed="rId3"/>
+                <asvg:svgBlip xmlns:asvg="http://schemas.microsoft.com/office/drawing/2016/SVG/main" r:embed="rId4"/>
               </a:ext>
             </a:extLst>
           </a:blip>
@@ -16217,7 +17079,7 @@
         </p:xfrm>
         <a:graphic>
           <a:graphicData uri="http://schemas.openxmlformats.org/drawingml/2006/diagram">
-            <dgm:relIds xmlns:dgm="http://schemas.openxmlformats.org/drawingml/2006/diagram" xmlns:r="http://schemas.openxmlformats.org/officeDocument/2006/relationships" r:dm="rId2" r:lo="rId3" r:qs="rId4" r:cs="rId5"/>
+            <dgm:relIds xmlns:dgm="http://schemas.openxmlformats.org/drawingml/2006/diagram" xmlns:r="http://schemas.openxmlformats.org/officeDocument/2006/relationships" r:dm="rId3" r:lo="rId4" r:qs="rId5" r:cs="rId6"/>
           </a:graphicData>
         </a:graphic>
       </p:graphicFrame>
@@ -16764,13 +17626,13 @@
           <p:nvPr/>
         </p:nvPicPr>
         <p:blipFill>
-          <a:blip r:embed="rId2">
+          <a:blip r:embed="rId3">
             <a:extLst>
               <a:ext uri="{28A0092B-C50C-407E-A947-70E740481C1C}">
                 <a14:useLocalDpi xmlns:a14="http://schemas.microsoft.com/office/drawing/2010/main" val="0"/>
               </a:ext>
               <a:ext uri="{96DAC541-7B7A-43D3-8B79-37D633B846F1}">
-                <asvg:svgBlip xmlns:asvg="http://schemas.microsoft.com/office/drawing/2016/SVG/main" r:embed="rId3"/>
+                <asvg:svgBlip xmlns:asvg="http://schemas.microsoft.com/office/drawing/2016/SVG/main" r:embed="rId4"/>
               </a:ext>
             </a:extLst>
           </a:blip>
@@ -16833,7 +17695,7 @@
           <p:nvPr/>
         </p:nvPicPr>
         <p:blipFill rotWithShape="1">
-          <a:blip r:embed="rId2"/>
+          <a:blip r:embed="rId3"/>
           <a:srcRect l="525" t="4380" r="551"/>
           <a:stretch/>
         </p:blipFill>
@@ -16912,7 +17774,7 @@
             <p:ph idx="1"/>
             <p:extLst>
               <p:ext uri="{D42A27DB-BD31-4B8C-83A1-F6EECF244321}">
-                <p14:modId xmlns:p14="http://schemas.microsoft.com/office/powerpoint/2010/main" val="3005113184"/>
+                <p14:modId xmlns:p14="http://schemas.microsoft.com/office/powerpoint/2010/main" val="16562173"/>
               </p:ext>
             </p:extLst>
           </p:nvPr>
@@ -16923,7 +17785,7 @@
         </p:xfrm>
         <a:graphic>
           <a:graphicData uri="http://schemas.openxmlformats.org/drawingml/2006/diagram">
-            <dgm:relIds xmlns:dgm="http://schemas.openxmlformats.org/drawingml/2006/diagram" xmlns:r="http://schemas.openxmlformats.org/officeDocument/2006/relationships" r:dm="rId3" r:lo="rId4" r:qs="rId5" r:cs="rId6"/>
+            <dgm:relIds xmlns:dgm="http://schemas.openxmlformats.org/drawingml/2006/diagram" xmlns:r="http://schemas.openxmlformats.org/officeDocument/2006/relationships" r:dm="rId4" r:lo="rId5" r:qs="rId6" r:cs="rId7"/>
           </a:graphicData>
         </a:graphic>
       </p:graphicFrame>
@@ -16972,7 +17834,7 @@
           <p:nvPr/>
         </p:nvPicPr>
         <p:blipFill rotWithShape="1">
-          <a:blip r:embed="rId2"/>
+          <a:blip r:embed="rId3"/>
           <a:srcRect l="525" t="4380" r="551"/>
           <a:stretch/>
         </p:blipFill>
@@ -17046,7 +17908,7 @@
         </p:xfrm>
         <a:graphic>
           <a:graphicData uri="http://schemas.openxmlformats.org/drawingml/2006/diagram">
-            <dgm:relIds xmlns:dgm="http://schemas.openxmlformats.org/drawingml/2006/diagram" xmlns:r="http://schemas.openxmlformats.org/officeDocument/2006/relationships" r:dm="rId3" r:lo="rId4" r:qs="rId5" r:cs="rId6"/>
+            <dgm:relIds xmlns:dgm="http://schemas.openxmlformats.org/drawingml/2006/diagram" xmlns:r="http://schemas.openxmlformats.org/officeDocument/2006/relationships" r:dm="rId4" r:lo="rId5" r:qs="rId6" r:cs="rId7"/>
           </a:graphicData>
         </a:graphic>
       </p:graphicFrame>
@@ -17376,4 +18238,319 @@
     </a:ext>
   </a:extLst>
 </a:theme>
+</file>
+
+<file path=ppt/theme/theme2.xml><?xml version="1.0" encoding="utf-8"?>
+<a:theme xmlns:a="http://schemas.openxmlformats.org/drawingml/2006/main" name="Office">
+  <a:themeElements>
+    <a:clrScheme name="Office">
+      <a:dk1>
+        <a:sysClr val="windowText" lastClr="000000"/>
+      </a:dk1>
+      <a:lt1>
+        <a:sysClr val="window" lastClr="FFFFFF"/>
+      </a:lt1>
+      <a:dk2>
+        <a:srgbClr val="0E2841"/>
+      </a:dk2>
+      <a:lt2>
+        <a:srgbClr val="E8E8E8"/>
+      </a:lt2>
+      <a:accent1>
+        <a:srgbClr val="156082"/>
+      </a:accent1>
+      <a:accent2>
+        <a:srgbClr val="E97132"/>
+      </a:accent2>
+      <a:accent3>
+        <a:srgbClr val="196B24"/>
+      </a:accent3>
+      <a:accent4>
+        <a:srgbClr val="0F9ED5"/>
+      </a:accent4>
+      <a:accent5>
+        <a:srgbClr val="A02B93"/>
+      </a:accent5>
+      <a:accent6>
+        <a:srgbClr val="4EA72E"/>
+      </a:accent6>
+      <a:hlink>
+        <a:srgbClr val="467886"/>
+      </a:hlink>
+      <a:folHlink>
+        <a:srgbClr val="96607D"/>
+      </a:folHlink>
+    </a:clrScheme>
+    <a:fontScheme name="Office">
+      <a:majorFont>
+        <a:latin typeface="Aptos Display" panose="02110004020202020204"/>
+        <a:ea typeface=""/>
+        <a:cs typeface=""/>
+        <a:font script="Jpan" typeface="游ゴシック Light"/>
+        <a:font script="Hang" typeface="맑은 고딕"/>
+        <a:font script="Hans" typeface="等线 Light"/>
+        <a:font script="Hant" typeface="新細明體"/>
+        <a:font script="Arab" typeface="Times New Roman"/>
+        <a:font script="Hebr" typeface="Times New Roman"/>
+        <a:font script="Thai" typeface="Angsana New"/>
+        <a:font script="Ethi" typeface="Nyala"/>
+        <a:font script="Beng" typeface="Vrinda"/>
+        <a:font script="Gujr" typeface="Shruti"/>
+        <a:font script="Khmr" typeface="MoolBoran"/>
+        <a:font script="Knda" typeface="Tunga"/>
+        <a:font script="Guru" typeface="Raavi"/>
+        <a:font script="Cans" typeface="Euphemia"/>
+        <a:font script="Cher" typeface="Plantagenet Cherokee"/>
+        <a:font script="Yiii" typeface="Microsoft Yi Baiti"/>
+        <a:font script="Tibt" typeface="Microsoft Himalaya"/>
+        <a:font script="Thaa" typeface="MV Boli"/>
+        <a:font script="Deva" typeface="Mangal"/>
+        <a:font script="Telu" typeface="Gautami"/>
+        <a:font script="Taml" typeface="Latha"/>
+        <a:font script="Syrc" typeface="Estrangelo Edessa"/>
+        <a:font script="Orya" typeface="Kalinga"/>
+        <a:font script="Mlym" typeface="Kartika"/>
+        <a:font script="Laoo" typeface="DokChampa"/>
+        <a:font script="Sinh" typeface="Iskoola Pota"/>
+        <a:font script="Mong" typeface="Mongolian Baiti"/>
+        <a:font script="Viet" typeface="Times New Roman"/>
+        <a:font script="Uigh" typeface="Microsoft Uighur"/>
+        <a:font script="Geor" typeface="Sylfaen"/>
+        <a:font script="Armn" typeface="Arial"/>
+        <a:font script="Bugi" typeface="Leelawadee UI"/>
+        <a:font script="Bopo" typeface="Microsoft JhengHei"/>
+        <a:font script="Java" typeface="Javanese Text"/>
+        <a:font script="Lisu" typeface="Segoe UI"/>
+        <a:font script="Mymr" typeface="Myanmar Text"/>
+        <a:font script="Nkoo" typeface="Ebrima"/>
+        <a:font script="Olck" typeface="Nirmala UI"/>
+        <a:font script="Osma" typeface="Ebrima"/>
+        <a:font script="Phag" typeface="Phagspa"/>
+        <a:font script="Syrn" typeface="Estrangelo Edessa"/>
+        <a:font script="Syrj" typeface="Estrangelo Edessa"/>
+        <a:font script="Syre" typeface="Estrangelo Edessa"/>
+        <a:font script="Sora" typeface="Nirmala UI"/>
+        <a:font script="Tale" typeface="Microsoft Tai Le"/>
+        <a:font script="Talu" typeface="Microsoft New Tai Lue"/>
+        <a:font script="Tfng" typeface="Ebrima"/>
+      </a:majorFont>
+      <a:minorFont>
+        <a:latin typeface="Aptos" panose="02110004020202020204"/>
+        <a:ea typeface=""/>
+        <a:cs typeface=""/>
+        <a:font script="Jpan" typeface="游ゴシック"/>
+        <a:font script="Hang" typeface="맑은 고딕"/>
+        <a:font script="Hans" typeface="等线"/>
+        <a:font script="Hant" typeface="新細明體"/>
+        <a:font script="Arab" typeface="Arial"/>
+        <a:font script="Hebr" typeface="Arial"/>
+        <a:font script="Thai" typeface="Cordia New"/>
+        <a:font script="Ethi" typeface="Nyala"/>
+        <a:font script="Beng" typeface="Vrinda"/>
+        <a:font script="Gujr" typeface="Shruti"/>
+        <a:font script="Khmr" typeface="DaunPenh"/>
+        <a:font script="Knda" typeface="Tunga"/>
+        <a:font script="Guru" typeface="Raavi"/>
+        <a:font script="Cans" typeface="Euphemia"/>
+        <a:font script="Cher" typeface="Plantagenet Cherokee"/>
+        <a:font script="Yiii" typeface="Microsoft Yi Baiti"/>
+        <a:font script="Tibt" typeface="Microsoft Himalaya"/>
+        <a:font script="Thaa" typeface="MV Boli"/>
+        <a:font script="Deva" typeface="Mangal"/>
+        <a:font script="Telu" typeface="Gautami"/>
+        <a:font script="Taml" typeface="Latha"/>
+        <a:font script="Syrc" typeface="Estrangelo Edessa"/>
+        <a:font script="Orya" typeface="Kalinga"/>
+        <a:font script="Mlym" typeface="Kartika"/>
+        <a:font script="Laoo" typeface="DokChampa"/>
+        <a:font script="Sinh" typeface="Iskoola Pota"/>
+        <a:font script="Mong" typeface="Mongolian Baiti"/>
+        <a:font script="Viet" typeface="Arial"/>
+        <a:font script="Uigh" typeface="Microsoft Uighur"/>
+        <a:font script="Geor" typeface="Sylfaen"/>
+        <a:font script="Armn" typeface="Arial"/>
+        <a:font script="Bugi" typeface="Leelawadee UI"/>
+        <a:font script="Bopo" typeface="Microsoft JhengHei"/>
+        <a:font script="Java" typeface="Javanese Text"/>
+        <a:font script="Lisu" typeface="Segoe UI"/>
+        <a:font script="Mymr" typeface="Myanmar Text"/>
+        <a:font script="Nkoo" typeface="Ebrima"/>
+        <a:font script="Olck" typeface="Nirmala UI"/>
+        <a:font script="Osma" typeface="Ebrima"/>
+        <a:font script="Phag" typeface="Phagspa"/>
+        <a:font script="Syrn" typeface="Estrangelo Edessa"/>
+        <a:font script="Syrj" typeface="Estrangelo Edessa"/>
+        <a:font script="Syre" typeface="Estrangelo Edessa"/>
+        <a:font script="Sora" typeface="Nirmala UI"/>
+        <a:font script="Tale" typeface="Microsoft Tai Le"/>
+        <a:font script="Talu" typeface="Microsoft New Tai Lue"/>
+        <a:font script="Tfng" typeface="Ebrima"/>
+      </a:minorFont>
+    </a:fontScheme>
+    <a:fmtScheme name="Office">
+      <a:fillStyleLst>
+        <a:solidFill>
+          <a:schemeClr val="phClr"/>
+        </a:solidFill>
+        <a:gradFill rotWithShape="1">
+          <a:gsLst>
+            <a:gs pos="0">
+              <a:schemeClr val="phClr">
+                <a:lumMod val="110000"/>
+                <a:satMod val="105000"/>
+                <a:tint val="67000"/>
+              </a:schemeClr>
+            </a:gs>
+            <a:gs pos="50000">
+              <a:schemeClr val="phClr">
+                <a:lumMod val="105000"/>
+                <a:satMod val="103000"/>
+                <a:tint val="73000"/>
+              </a:schemeClr>
+            </a:gs>
+            <a:gs pos="100000">
+              <a:schemeClr val="phClr">
+                <a:lumMod val="105000"/>
+                <a:satMod val="109000"/>
+                <a:tint val="81000"/>
+              </a:schemeClr>
+            </a:gs>
+          </a:gsLst>
+          <a:lin ang="5400000" scaled="0"/>
+        </a:gradFill>
+        <a:gradFill rotWithShape="1">
+          <a:gsLst>
+            <a:gs pos="0">
+              <a:schemeClr val="phClr">
+                <a:satMod val="103000"/>
+                <a:lumMod val="102000"/>
+                <a:tint val="94000"/>
+              </a:schemeClr>
+            </a:gs>
+            <a:gs pos="50000">
+              <a:schemeClr val="phClr">
+                <a:satMod val="110000"/>
+                <a:lumMod val="100000"/>
+                <a:shade val="100000"/>
+              </a:schemeClr>
+            </a:gs>
+            <a:gs pos="100000">
+              <a:schemeClr val="phClr">
+                <a:lumMod val="99000"/>
+                <a:satMod val="120000"/>
+                <a:shade val="78000"/>
+              </a:schemeClr>
+            </a:gs>
+          </a:gsLst>
+          <a:lin ang="5400000" scaled="0"/>
+        </a:gradFill>
+      </a:fillStyleLst>
+      <a:lnStyleLst>
+        <a:ln w="12700" cap="flat" cmpd="sng" algn="ctr">
+          <a:solidFill>
+            <a:schemeClr val="phClr"/>
+          </a:solidFill>
+          <a:prstDash val="solid"/>
+          <a:miter lim="800000"/>
+        </a:ln>
+        <a:ln w="19050" cap="flat" cmpd="sng" algn="ctr">
+          <a:solidFill>
+            <a:schemeClr val="phClr"/>
+          </a:solidFill>
+          <a:prstDash val="solid"/>
+          <a:miter lim="800000"/>
+        </a:ln>
+        <a:ln w="25400" cap="flat" cmpd="sng" algn="ctr">
+          <a:solidFill>
+            <a:schemeClr val="phClr"/>
+          </a:solidFill>
+          <a:prstDash val="solid"/>
+          <a:miter lim="800000"/>
+        </a:ln>
+      </a:lnStyleLst>
+      <a:effectStyleLst>
+        <a:effectStyle>
+          <a:effectLst/>
+        </a:effectStyle>
+        <a:effectStyle>
+          <a:effectLst/>
+        </a:effectStyle>
+        <a:effectStyle>
+          <a:effectLst>
+            <a:outerShdw blurRad="57150" dist="19050" dir="5400000" algn="ctr" rotWithShape="0">
+              <a:srgbClr val="000000">
+                <a:alpha val="63000"/>
+              </a:srgbClr>
+            </a:outerShdw>
+          </a:effectLst>
+        </a:effectStyle>
+      </a:effectStyleLst>
+      <a:bgFillStyleLst>
+        <a:solidFill>
+          <a:schemeClr val="phClr"/>
+        </a:solidFill>
+        <a:solidFill>
+          <a:schemeClr val="phClr">
+            <a:tint val="95000"/>
+            <a:satMod val="170000"/>
+          </a:schemeClr>
+        </a:solidFill>
+        <a:gradFill rotWithShape="1">
+          <a:gsLst>
+            <a:gs pos="0">
+              <a:schemeClr val="phClr">
+                <a:tint val="93000"/>
+                <a:satMod val="150000"/>
+                <a:shade val="98000"/>
+                <a:lumMod val="102000"/>
+              </a:schemeClr>
+            </a:gs>
+            <a:gs pos="50000">
+              <a:schemeClr val="phClr">
+                <a:tint val="98000"/>
+                <a:satMod val="130000"/>
+                <a:shade val="90000"/>
+                <a:lumMod val="103000"/>
+              </a:schemeClr>
+            </a:gs>
+            <a:gs pos="100000">
+              <a:schemeClr val="phClr">
+                <a:shade val="63000"/>
+                <a:satMod val="120000"/>
+              </a:schemeClr>
+            </a:gs>
+          </a:gsLst>
+          <a:lin ang="5400000" scaled="0"/>
+        </a:gradFill>
+      </a:bgFillStyleLst>
+    </a:fmtScheme>
+  </a:themeElements>
+  <a:objectDefaults>
+    <a:lnDef>
+      <a:spPr/>
+      <a:bodyPr/>
+      <a:lstStyle/>
+      <a:style>
+        <a:lnRef idx="2">
+          <a:schemeClr val="accent1"/>
+        </a:lnRef>
+        <a:fillRef idx="0">
+          <a:schemeClr val="accent1"/>
+        </a:fillRef>
+        <a:effectRef idx="1">
+          <a:schemeClr val="accent1"/>
+        </a:effectRef>
+        <a:fontRef idx="minor">
+          <a:schemeClr val="tx1"/>
+        </a:fontRef>
+      </a:style>
+    </a:lnDef>
+  </a:objectDefaults>
+  <a:extraClrSchemeLst/>
+  <a:extLst>
+    <a:ext uri="{05A4C25C-085E-4340-85A3-A5531E510DB2}">
+      <thm15:themeFamily xmlns:thm15="http://schemas.microsoft.com/office/thememl/2012/main" name="Office Theme" id="{2E142A2C-CD16-42D6-873A-C26D2A0506FA}" vid="{1BDDFF52-6CD6-40A5-AB3C-68EB2F1E4D0A}"/>
+    </a:ext>
+  </a:extLst>
+</a:theme>
 </file>